--- a/EduNet_CyberSecurity_Steganography.pptx
+++ b/EduNet_CyberSecurity_Steganography.pptx
@@ -4251,13 +4251,6 @@
               </a:rPr>
               <a:t>Data Hiding in Image Using Steganography</a:t>
             </a:r>
-            <a:endParaRPr lang="en-US" b="1" dirty="0">
-              <a:solidFill>
-                <a:schemeClr val="accent1"/>
-              </a:solidFill>
-              <a:latin typeface="Arial" panose="020B0604020202020204" pitchFamily="34" charset="0"/>
-              <a:cs typeface="Arial" panose="020B0604020202020204" pitchFamily="34" charset="0"/>
-            </a:endParaRPr>
           </a:p>
         </p:txBody>
       </p:sp>
@@ -4674,10 +4667,16 @@
           <a:bodyPr/>
           <a:lstStyle/>
           <a:p>
-            <a:r>
-              <a:rPr lang="en-IN" dirty="0"/>
-              <a:t>Make sure that there should be readme file</a:t>
-            </a:r>
+            <a:pPr marL="0" indent="0">
+              <a:buNone/>
+            </a:pPr>
+            <a:r>
+              <a:rPr lang="en-IN" dirty="0">
+                <a:hlinkClick r:id="rId2"/>
+              </a:rPr>
+              <a:t>https://github.com/KarunyaChavan/Steganography-Edunet_Cybersecurity-Internship-2025/tree/main</a:t>
+            </a:r>
+            <a:endParaRPr lang="en-IN" dirty="0"/>
           </a:p>
         </p:txBody>
       </p:sp>
@@ -4825,7 +4824,6 @@
               <a:rPr lang="en-US" dirty="0"/>
               <a:t> attacks.</a:t>
             </a:r>
-            <a:endParaRPr lang="en-US" dirty="0"/>
           </a:p>
         </p:txBody>
       </p:sp>
@@ -7513,14 +7511,6 @@
 </file>
 
 <file path=customXml/item2.xml><?xml version="1.0" encoding="utf-8"?>
-<p:properties xmlns:p="http://schemas.microsoft.com/office/2006/metadata/properties" xmlns:xsi="http://www.w3.org/2001/XMLSchema-instance" xmlns:pc="http://schemas.microsoft.com/office/infopath/2007/PartnerControls">
-  <documentManagement>
-    <_activity xmlns="b30265f8-c5e2-4918-b4a1-b977299ca3e2" xsi:nil="true"/>
-  </documentManagement>
-</p:properties>
-</file>
-
-<file path=customXml/item3.xml><?xml version="1.0" encoding="utf-8"?>
 <ct:contentTypeSchema xmlns:ct="http://schemas.microsoft.com/office/2006/metadata/contentType" xmlns:ma="http://schemas.microsoft.com/office/2006/metadata/properties/metaAttributes" ct:_="" ma:_="" ma:contentTypeName="Document" ma:contentTypeID="0x0101007F0268AC5E70984D8FE60B7154176407" ma:contentTypeVersion="15" ma:contentTypeDescription="Create a new document." ma:contentTypeScope="" ma:versionID="104e359103f0f57b1cf9676756e5b944">
   <xsd:schema xmlns:xsd="http://www.w3.org/2001/XMLSchema" xmlns:xs="http://www.w3.org/2001/XMLSchema" xmlns:p="http://schemas.microsoft.com/office/2006/metadata/properties" xmlns:ns3="b30265f8-c5e2-4918-b4a1-b977299ca3e2" xmlns:ns4="fadb41d3-f9cb-40fb-903c-8cacaba95bb5" targetNamespace="http://schemas.microsoft.com/office/2006/metadata/properties" ma:root="true" ma:fieldsID="5615b8f8aa772998bad551f24a33de0e" ns3:_="" ns4:_="">
     <xsd:import namespace="b30265f8-c5e2-4918-b4a1-b977299ca3e2"/>
@@ -7753,6 +7743,14 @@
 </ct:contentTypeSchema>
 </file>
 
+<file path=customXml/item3.xml><?xml version="1.0" encoding="utf-8"?>
+<p:properties xmlns:p="http://schemas.microsoft.com/office/2006/metadata/properties" xmlns:xsi="http://www.w3.org/2001/XMLSchema-instance" xmlns:pc="http://schemas.microsoft.com/office/infopath/2007/PartnerControls">
+  <documentManagement>
+    <_activity xmlns="b30265f8-c5e2-4918-b4a1-b977299ca3e2" xsi:nil="true"/>
+  </documentManagement>
+</p:properties>
+</file>
+
 <file path=customXml/itemProps1.xml><?xml version="1.0" encoding="utf-8"?>
 <ds:datastoreItem xmlns:ds="http://schemas.openxmlformats.org/officeDocument/2006/customXml" ds:itemID="{927BD4C1-B6B1-4715-ABF9-E660A51A4EA0}">
   <ds:schemaRefs>
@@ -7762,23 +7760,6 @@
 </file>
 
 <file path=customXml/itemProps2.xml><?xml version="1.0" encoding="utf-8"?>
-<ds:datastoreItem xmlns:ds="http://schemas.openxmlformats.org/officeDocument/2006/customXml" ds:itemID="{8D289AE2-D2AE-49D1-AFAC-3A79F6794255}">
-  <ds:schemaRefs>
-    <ds:schemaRef ds:uri="http://purl.org/dc/elements/1.1/"/>
-    <ds:schemaRef ds:uri="http://schemas.openxmlformats.org/package/2006/metadata/core-properties"/>
-    <ds:schemaRef ds:uri="b30265f8-c5e2-4918-b4a1-b977299ca3e2"/>
-    <ds:schemaRef ds:uri="http://purl.org/dc/terms/"/>
-    <ds:schemaRef ds:uri="http://schemas.microsoft.com/office/2006/documentManagement/types"/>
-    <ds:schemaRef ds:uri="http://schemas.microsoft.com/office/2006/metadata/properties"/>
-    <ds:schemaRef ds:uri="fadb41d3-f9cb-40fb-903c-8cacaba95bb5"/>
-    <ds:schemaRef ds:uri="http://schemas.microsoft.com/office/infopath/2007/PartnerControls"/>
-    <ds:schemaRef ds:uri="http://www.w3.org/XML/1998/namespace"/>
-    <ds:schemaRef ds:uri="http://purl.org/dc/dcmitype/"/>
-  </ds:schemaRefs>
-</ds:datastoreItem>
-</file>
-
-<file path=customXml/itemProps3.xml><?xml version="1.0" encoding="utf-8"?>
 <ds:datastoreItem xmlns:ds="http://schemas.openxmlformats.org/officeDocument/2006/customXml" ds:itemID="{9DD71778-17EE-4151-88AE-C8F4E8043BD9}">
   <ds:schemaRefs>
     <ds:schemaRef ds:uri="http://schemas.microsoft.com/office/2006/metadata/contentType"/>
@@ -7795,4 +7776,21 @@
     <ds:schemaRef ds:uri="http://schemas.microsoft.com/internal/obd"/>
   </ds:schemaRefs>
 </ds:datastoreItem>
+</file>
+
+<file path=customXml/itemProps3.xml><?xml version="1.0" encoding="utf-8"?>
+<ds:datastoreItem xmlns:ds="http://schemas.openxmlformats.org/officeDocument/2006/customXml" ds:itemID="{8D289AE2-D2AE-49D1-AFAC-3A79F6794255}">
+  <ds:schemaRefs>
+    <ds:schemaRef ds:uri="http://purl.org/dc/elements/1.1/"/>
+    <ds:schemaRef ds:uri="http://schemas.openxmlformats.org/package/2006/metadata/core-properties"/>
+    <ds:schemaRef ds:uri="b30265f8-c5e2-4918-b4a1-b977299ca3e2"/>
+    <ds:schemaRef ds:uri="http://purl.org/dc/terms/"/>
+    <ds:schemaRef ds:uri="http://schemas.microsoft.com/office/2006/documentManagement/types"/>
+    <ds:schemaRef ds:uri="http://schemas.microsoft.com/office/2006/metadata/properties"/>
+    <ds:schemaRef ds:uri="fadb41d3-f9cb-40fb-903c-8cacaba95bb5"/>
+    <ds:schemaRef ds:uri="http://schemas.microsoft.com/office/infopath/2007/PartnerControls"/>
+    <ds:schemaRef ds:uri="http://www.w3.org/XML/1998/namespace"/>
+    <ds:schemaRef ds:uri="http://purl.org/dc/dcmitype/"/>
+  </ds:schemaRefs>
+</ds:datastoreItem>
 </file>
--- a/EduNet_CyberSecurity_Steganography.pptx
+++ b/EduNet_CyberSecurity_Steganography.pptx
@@ -4309,8 +4309,8 @@
         </p:nvSpPr>
         <p:spPr>
           <a:xfrm>
-            <a:off x="1460603" y="4281565"/>
-            <a:ext cx="8941009" cy="1631216"/>
+            <a:off x="1162309" y="4306965"/>
+            <a:ext cx="9537597" cy="1631216"/>
           </a:xfrm>
           <a:prstGeom prst="rect">
             <a:avLst/>
@@ -4427,7 +4427,7 @@
                 <a:latin typeface="Arial"/>
                 <a:cs typeface="Arial"/>
               </a:rPr>
-              <a:t>Name &amp; Department : </a:t>
+              <a:t>Name </a:t>
             </a:r>
             <a:r>
               <a:rPr lang="en-US" sz="2000" b="1" dirty="0" smtClean="0">
@@ -4439,7 +4439,31 @@
                 <a:latin typeface="Arial"/>
                 <a:cs typeface="Arial"/>
               </a:rPr>
-              <a:t>Progressive Education Society’s 					Modern College of Engineering, Pune : 05</a:t>
+              <a:t>: Progressive Education Society’s Modern College </a:t>
+            </a:r>
+            <a:r>
+              <a:rPr lang="en-US" sz="2000" b="1" smtClean="0">
+                <a:solidFill>
+                  <a:schemeClr val="accent1">
+                    <a:lumMod val="75000"/>
+                  </a:schemeClr>
+                </a:solidFill>
+                <a:latin typeface="Arial"/>
+                <a:cs typeface="Arial"/>
+              </a:rPr>
+              <a:t>of 				  Engineering</a:t>
+            </a:r>
+            <a:r>
+              <a:rPr lang="en-US" sz="2000" b="1" dirty="0" smtClean="0">
+                <a:solidFill>
+                  <a:schemeClr val="accent1">
+                    <a:lumMod val="75000"/>
+                  </a:schemeClr>
+                </a:solidFill>
+                <a:latin typeface="Arial"/>
+                <a:cs typeface="Arial"/>
+              </a:rPr>
+              <a:t>, Pune : 05</a:t>
             </a:r>
             <a:endParaRPr lang="en-US" sz="2000" b="1" dirty="0">
               <a:solidFill>
@@ -4672,11 +4696,18 @@
             </a:pPr>
             <a:r>
               <a:rPr lang="en-IN" dirty="0">
+                <a:solidFill>
+                  <a:schemeClr val="tx1"/>
+                </a:solidFill>
                 <a:hlinkClick r:id="rId2"/>
               </a:rPr>
               <a:t>https://github.com/KarunyaChavan/Steganography-Edunet_Cybersecurity-Internship-2025/tree/main</a:t>
             </a:r>
-            <a:endParaRPr lang="en-IN" dirty="0"/>
+            <a:endParaRPr lang="en-IN" dirty="0">
+              <a:solidFill>
+                <a:schemeClr val="tx1"/>
+              </a:solidFill>
+            </a:endParaRPr>
           </a:p>
         </p:txBody>
       </p:sp>
@@ -4728,100 +4759,222 @@
         </p:nvSpPr>
         <p:spPr/>
         <p:txBody>
-          <a:bodyPr/>
+          <a:bodyPr>
+            <a:normAutofit/>
+          </a:bodyPr>
           <a:lstStyle/>
           <a:p>
             <a:pPr marL="305435" indent="-305435"/>
             <a:r>
-              <a:rPr lang="en-US" b="1" dirty="0"/>
+              <a:rPr lang="en-US" sz="1800" b="1" dirty="0">
+                <a:solidFill>
+                  <a:schemeClr val="tx1"/>
+                </a:solidFill>
+                <a:latin typeface="Arial" panose="020B0604020202020204" pitchFamily="34" charset="0"/>
+                <a:cs typeface="Arial" panose="020B0604020202020204" pitchFamily="34" charset="0"/>
+              </a:rPr>
               <a:t>AI-Based Steganography:</a:t>
             </a:r>
             <a:r>
-              <a:rPr lang="en-US" dirty="0"/>
+              <a:rPr lang="en-US" sz="1800" dirty="0">
+                <a:solidFill>
+                  <a:schemeClr val="tx1"/>
+                </a:solidFill>
+                <a:latin typeface="Arial" panose="020B0604020202020204" pitchFamily="34" charset="0"/>
+                <a:cs typeface="Arial" panose="020B0604020202020204" pitchFamily="34" charset="0"/>
+              </a:rPr>
               <a:t> Use deep learning for adaptive hiding </a:t>
             </a:r>
             <a:r>
-              <a:rPr lang="en-US" dirty="0" smtClean="0"/>
+              <a:rPr lang="en-US" sz="1800" dirty="0" smtClean="0">
+                <a:solidFill>
+                  <a:schemeClr val="tx1"/>
+                </a:solidFill>
+                <a:latin typeface="Arial" panose="020B0604020202020204" pitchFamily="34" charset="0"/>
+                <a:cs typeface="Arial" panose="020B0604020202020204" pitchFamily="34" charset="0"/>
+              </a:rPr>
               <a:t>mechanisms.</a:t>
             </a:r>
           </a:p>
           <a:p>
             <a:pPr marL="305435" indent="-305435"/>
             <a:r>
-              <a:rPr lang="en-US" b="1" dirty="0" smtClean="0"/>
+              <a:rPr lang="en-US" sz="1800" b="1" dirty="0" smtClean="0">
+                <a:solidFill>
+                  <a:schemeClr val="tx1"/>
+                </a:solidFill>
+                <a:latin typeface="Arial" panose="020B0604020202020204" pitchFamily="34" charset="0"/>
+                <a:cs typeface="Arial" panose="020B0604020202020204" pitchFamily="34" charset="0"/>
+              </a:rPr>
               <a:t>Support </a:t>
             </a:r>
             <a:r>
-              <a:rPr lang="en-US" b="1" dirty="0"/>
+              <a:rPr lang="en-US" sz="1800" b="1" dirty="0">
+                <a:solidFill>
+                  <a:schemeClr val="tx1"/>
+                </a:solidFill>
+                <a:latin typeface="Arial" panose="020B0604020202020204" pitchFamily="34" charset="0"/>
+                <a:cs typeface="Arial" panose="020B0604020202020204" pitchFamily="34" charset="0"/>
+              </a:rPr>
               <a:t>for Video &amp; Audio Steganography:</a:t>
             </a:r>
             <a:r>
-              <a:rPr lang="en-US" dirty="0"/>
+              <a:rPr lang="en-US" sz="1800" dirty="0">
+                <a:solidFill>
+                  <a:schemeClr val="tx1"/>
+                </a:solidFill>
+                <a:latin typeface="Arial" panose="020B0604020202020204" pitchFamily="34" charset="0"/>
+                <a:cs typeface="Arial" panose="020B0604020202020204" pitchFamily="34" charset="0"/>
+              </a:rPr>
               <a:t> Expanding beyond static </a:t>
             </a:r>
             <a:r>
-              <a:rPr lang="en-US" dirty="0" smtClean="0"/>
+              <a:rPr lang="en-US" sz="1800" dirty="0" smtClean="0">
+                <a:solidFill>
+                  <a:schemeClr val="tx1"/>
+                </a:solidFill>
+                <a:latin typeface="Arial" panose="020B0604020202020204" pitchFamily="34" charset="0"/>
+                <a:cs typeface="Arial" panose="020B0604020202020204" pitchFamily="34" charset="0"/>
+              </a:rPr>
               <a:t>images.</a:t>
             </a:r>
           </a:p>
           <a:p>
             <a:pPr marL="305435" indent="-305435"/>
             <a:r>
-              <a:rPr lang="en-US" b="1" dirty="0" smtClean="0"/>
+              <a:rPr lang="en-US" sz="1800" b="1" dirty="0" smtClean="0">
+                <a:solidFill>
+                  <a:schemeClr val="tx1"/>
+                </a:solidFill>
+                <a:latin typeface="Arial" panose="020B0604020202020204" pitchFamily="34" charset="0"/>
+                <a:cs typeface="Arial" panose="020B0604020202020204" pitchFamily="34" charset="0"/>
+              </a:rPr>
               <a:t>Enhanced </a:t>
             </a:r>
             <a:r>
-              <a:rPr lang="en-US" b="1" dirty="0"/>
+              <a:rPr lang="en-US" sz="1800" b="1" dirty="0">
+                <a:solidFill>
+                  <a:schemeClr val="tx1"/>
+                </a:solidFill>
+                <a:latin typeface="Arial" panose="020B0604020202020204" pitchFamily="34" charset="0"/>
+                <a:cs typeface="Arial" panose="020B0604020202020204" pitchFamily="34" charset="0"/>
+              </a:rPr>
               <a:t>Encryption Mechanisms:</a:t>
             </a:r>
             <a:r>
-              <a:rPr lang="en-US" dirty="0"/>
+              <a:rPr lang="en-US" sz="1800" dirty="0">
+                <a:solidFill>
+                  <a:schemeClr val="tx1"/>
+                </a:solidFill>
+                <a:latin typeface="Arial" panose="020B0604020202020204" pitchFamily="34" charset="0"/>
+                <a:cs typeface="Arial" panose="020B0604020202020204" pitchFamily="34" charset="0"/>
+              </a:rPr>
               <a:t> Hybrid cryptographic and steganographic </a:t>
             </a:r>
             <a:r>
-              <a:rPr lang="en-US" dirty="0" smtClean="0"/>
+              <a:rPr lang="en-US" sz="1800" dirty="0" smtClean="0">
+                <a:solidFill>
+                  <a:schemeClr val="tx1"/>
+                </a:solidFill>
+                <a:latin typeface="Arial" panose="020B0604020202020204" pitchFamily="34" charset="0"/>
+                <a:cs typeface="Arial" panose="020B0604020202020204" pitchFamily="34" charset="0"/>
+              </a:rPr>
               <a:t>approaches.</a:t>
             </a:r>
           </a:p>
           <a:p>
             <a:pPr marL="305435" indent="-305435"/>
             <a:r>
-              <a:rPr lang="en-US" b="1" dirty="0" smtClean="0"/>
+              <a:rPr lang="en-US" sz="1800" b="1" dirty="0" smtClean="0">
+                <a:solidFill>
+                  <a:schemeClr val="tx1"/>
+                </a:solidFill>
+                <a:latin typeface="Arial" panose="020B0604020202020204" pitchFamily="34" charset="0"/>
+                <a:cs typeface="Arial" panose="020B0604020202020204" pitchFamily="34" charset="0"/>
+              </a:rPr>
               <a:t>Cloud </a:t>
             </a:r>
             <a:r>
-              <a:rPr lang="en-US" b="1" dirty="0"/>
+              <a:rPr lang="en-US" sz="1800" b="1" dirty="0">
+                <a:solidFill>
+                  <a:schemeClr val="tx1"/>
+                </a:solidFill>
+                <a:latin typeface="Arial" panose="020B0604020202020204" pitchFamily="34" charset="0"/>
+                <a:cs typeface="Arial" panose="020B0604020202020204" pitchFamily="34" charset="0"/>
+              </a:rPr>
               <a:t>&amp; Mobile Integration:</a:t>
             </a:r>
             <a:r>
-              <a:rPr lang="en-US" dirty="0"/>
+              <a:rPr lang="en-US" sz="1800" dirty="0">
+                <a:solidFill>
+                  <a:schemeClr val="tx1"/>
+                </a:solidFill>
+                <a:latin typeface="Arial" panose="020B0604020202020204" pitchFamily="34" charset="0"/>
+                <a:cs typeface="Arial" panose="020B0604020202020204" pitchFamily="34" charset="0"/>
+              </a:rPr>
               <a:t> Secure messaging for mobile applications</a:t>
             </a:r>
             <a:r>
-              <a:rPr lang="en-US" dirty="0" smtClean="0"/>
+              <a:rPr lang="en-US" sz="1800" dirty="0" smtClean="0">
+                <a:solidFill>
+                  <a:schemeClr val="tx1"/>
+                </a:solidFill>
+                <a:latin typeface="Arial" panose="020B0604020202020204" pitchFamily="34" charset="0"/>
+                <a:cs typeface="Arial" panose="020B0604020202020204" pitchFamily="34" charset="0"/>
+              </a:rPr>
               <a:t>.</a:t>
             </a:r>
           </a:p>
           <a:p>
             <a:pPr marL="305435" indent="-305435"/>
             <a:r>
-              <a:rPr lang="en-US" dirty="0" smtClean="0"/>
+              <a:rPr lang="en-US" sz="1800" dirty="0" smtClean="0">
+                <a:solidFill>
+                  <a:schemeClr val="tx1"/>
+                </a:solidFill>
+                <a:latin typeface="Arial" panose="020B0604020202020204" pitchFamily="34" charset="0"/>
+                <a:cs typeface="Arial" panose="020B0604020202020204" pitchFamily="34" charset="0"/>
+              </a:rPr>
               <a:t> </a:t>
             </a:r>
             <a:r>
-              <a:rPr lang="en-US" b="1" dirty="0"/>
+              <a:rPr lang="en-US" sz="1800" b="1" dirty="0">
+                <a:solidFill>
+                  <a:schemeClr val="tx1"/>
+                </a:solidFill>
+                <a:latin typeface="Arial" panose="020B0604020202020204" pitchFamily="34" charset="0"/>
+                <a:cs typeface="Arial" panose="020B0604020202020204" pitchFamily="34" charset="0"/>
+              </a:rPr>
               <a:t>Automated Detection Prevention:</a:t>
             </a:r>
             <a:r>
-              <a:rPr lang="en-US" dirty="0"/>
+              <a:rPr lang="en-US" sz="1800" dirty="0">
+                <a:solidFill>
+                  <a:schemeClr val="tx1"/>
+                </a:solidFill>
+                <a:latin typeface="Arial" panose="020B0604020202020204" pitchFamily="34" charset="0"/>
+                <a:cs typeface="Arial" panose="020B0604020202020204" pitchFamily="34" charset="0"/>
+              </a:rPr>
               <a:t> Advanced techniques to resist </a:t>
             </a:r>
             <a:r>
-              <a:rPr lang="en-US" dirty="0" err="1"/>
+              <a:rPr lang="en-US" sz="1800" dirty="0" err="1">
+                <a:solidFill>
+                  <a:schemeClr val="tx1"/>
+                </a:solidFill>
+                <a:latin typeface="Arial" panose="020B0604020202020204" pitchFamily="34" charset="0"/>
+                <a:cs typeface="Arial" panose="020B0604020202020204" pitchFamily="34" charset="0"/>
+              </a:rPr>
               <a:t>steganalysis</a:t>
             </a:r>
             <a:r>
-              <a:rPr lang="en-US" dirty="0"/>
+              <a:rPr lang="en-US" sz="1800" dirty="0">
+                <a:solidFill>
+                  <a:schemeClr val="tx1"/>
+                </a:solidFill>
+                <a:latin typeface="Arial" panose="020B0604020202020204" pitchFamily="34" charset="0"/>
+                <a:cs typeface="Arial" panose="020B0604020202020204" pitchFamily="34" charset="0"/>
+              </a:rPr>
               <a:t> attacks.</a:t>
             </a:r>
           </a:p>
@@ -5402,34 +5555,48 @@
           </a:xfrm>
         </p:spPr>
         <p:txBody>
-          <a:bodyPr/>
+          <a:bodyPr>
+            <a:normAutofit/>
+          </a:bodyPr>
           <a:lstStyle/>
           <a:p>
             <a:pPr marL="0" indent="0">
               <a:buNone/>
             </a:pPr>
             <a:r>
-              <a:rPr lang="en-US" dirty="0">
+              <a:rPr lang="en-US" sz="1800" dirty="0">
+                <a:solidFill>
+                  <a:schemeClr val="tx1"/>
+                </a:solidFill>
                 <a:latin typeface="Arial" panose="020B0604020202020204" pitchFamily="34" charset="0"/>
                 <a:cs typeface="Arial" panose="020B0604020202020204" pitchFamily="34" charset="0"/>
               </a:rPr>
               <a:t>With the exponential growth of digital data exchange, securing confidential information has become a major challenge. Conventional encryption techniques, while effective, make encrypted messages easily identifiable and prone to attacks. Steganography provides an alternative by concealing secret messages within digital images, ensuring covert and secure communication. This project implements an image-based </a:t>
             </a:r>
             <a:r>
-              <a:rPr lang="en-US" dirty="0" smtClean="0">
+              <a:rPr lang="en-US" sz="1800" dirty="0" smtClean="0">
+                <a:solidFill>
+                  <a:schemeClr val="tx1"/>
+                </a:solidFill>
                 <a:latin typeface="Arial" panose="020B0604020202020204" pitchFamily="34" charset="0"/>
                 <a:cs typeface="Arial" panose="020B0604020202020204" pitchFamily="34" charset="0"/>
               </a:rPr>
               <a:t>steganographic </a:t>
             </a:r>
             <a:r>
-              <a:rPr lang="en-US" dirty="0">
+              <a:rPr lang="en-US" sz="1800" dirty="0">
+                <a:solidFill>
+                  <a:schemeClr val="tx1"/>
+                </a:solidFill>
                 <a:latin typeface="Arial" panose="020B0604020202020204" pitchFamily="34" charset="0"/>
                 <a:cs typeface="Arial" panose="020B0604020202020204" pitchFamily="34" charset="0"/>
               </a:rPr>
               <a:t>technique using pixel manipulation, preserving image integrity while embedding textual information. A passcode mechanism adds an additional security layer, restricting unauthorized access to hidden data.</a:t>
             </a:r>
-            <a:endParaRPr lang="en-IN" dirty="0">
+            <a:endParaRPr lang="en-IN" sz="1800" dirty="0">
+              <a:solidFill>
+                <a:schemeClr val="tx1"/>
+              </a:solidFill>
               <a:latin typeface="Arial" panose="020B0604020202020204" pitchFamily="34" charset="0"/>
               <a:cs typeface="Arial" panose="020B0604020202020204" pitchFamily="34" charset="0"/>
             </a:endParaRPr>
@@ -5838,8 +6005,57 @@
                 <a:effectLst/>
                 <a:latin typeface="Arial" panose="020B0604020202020204" pitchFamily="34" charset="0"/>
               </a:rPr>
-              <a:t> PNG, JPG.</a:t>
-            </a:r>
+              <a:t> PNG</a:t>
+            </a:r>
+            <a:r>
+              <a:rPr kumimoji="0" lang="en-US" altLang="en-US" sz="1800" b="0" i="0" u="none" strike="noStrike" cap="none" normalizeH="0" baseline="0" smtClean="0">
+                <a:ln>
+                  <a:noFill/>
+                </a:ln>
+                <a:solidFill>
+                  <a:schemeClr val="tx1"/>
+                </a:solidFill>
+                <a:effectLst/>
+                <a:latin typeface="Arial" panose="020B0604020202020204" pitchFamily="34" charset="0"/>
+              </a:rPr>
+              <a:t>, </a:t>
+            </a:r>
+            <a:r>
+              <a:rPr kumimoji="0" lang="en-US" altLang="en-US" sz="1800" b="0" i="0" u="none" strike="noStrike" cap="none" normalizeH="0" baseline="0" smtClean="0">
+                <a:ln>
+                  <a:noFill/>
+                </a:ln>
+                <a:solidFill>
+                  <a:schemeClr val="tx1"/>
+                </a:solidFill>
+                <a:effectLst/>
+                <a:latin typeface="Arial" panose="020B0604020202020204" pitchFamily="34" charset="0"/>
+              </a:rPr>
+              <a:t>JPG,</a:t>
+            </a:r>
+            <a:r>
+              <a:rPr kumimoji="0" lang="en-US" altLang="en-US" sz="1800" b="0" i="0" u="none" strike="noStrike" cap="none" normalizeH="0" smtClean="0">
+                <a:ln>
+                  <a:noFill/>
+                </a:ln>
+                <a:solidFill>
+                  <a:schemeClr val="tx1"/>
+                </a:solidFill>
+                <a:effectLst/>
+                <a:latin typeface="Arial" panose="020B0604020202020204" pitchFamily="34" charset="0"/>
+              </a:rPr>
+              <a:t> JPEG.</a:t>
+            </a:r>
+            <a:endParaRPr kumimoji="0" lang="en-US" altLang="en-US" sz="1800" b="0" i="0" u="none" strike="noStrike" cap="none" normalizeH="0" baseline="0" dirty="0" smtClean="0">
+              <a:ln>
+                <a:noFill/>
+              </a:ln>
+              <a:solidFill>
+                <a:schemeClr val="tx1"/>
+              </a:solidFill>
+              <a:effectLst/>
+              <a:latin typeface="Arial" panose="020B0604020202020204" pitchFamily="34" charset="0"/>
+            </a:endParaRPr>
           </a:p>
           <a:p>
             <a:pPr defTabSz="914400" eaLnBrk="0" fontAlgn="base" hangingPunct="0">
@@ -7511,6 +7727,14 @@
 </file>
 
 <file path=customXml/item2.xml><?xml version="1.0" encoding="utf-8"?>
+<p:properties xmlns:p="http://schemas.microsoft.com/office/2006/metadata/properties" xmlns:xsi="http://www.w3.org/2001/XMLSchema-instance" xmlns:pc="http://schemas.microsoft.com/office/infopath/2007/PartnerControls">
+  <documentManagement>
+    <_activity xmlns="b30265f8-c5e2-4918-b4a1-b977299ca3e2" xsi:nil="true"/>
+  </documentManagement>
+</p:properties>
+</file>
+
+<file path=customXml/item3.xml><?xml version="1.0" encoding="utf-8"?>
 <ct:contentTypeSchema xmlns:ct="http://schemas.microsoft.com/office/2006/metadata/contentType" xmlns:ma="http://schemas.microsoft.com/office/2006/metadata/properties/metaAttributes" ct:_="" ma:_="" ma:contentTypeName="Document" ma:contentTypeID="0x0101007F0268AC5E70984D8FE60B7154176407" ma:contentTypeVersion="15" ma:contentTypeDescription="Create a new document." ma:contentTypeScope="" ma:versionID="104e359103f0f57b1cf9676756e5b944">
   <xsd:schema xmlns:xsd="http://www.w3.org/2001/XMLSchema" xmlns:xs="http://www.w3.org/2001/XMLSchema" xmlns:p="http://schemas.microsoft.com/office/2006/metadata/properties" xmlns:ns3="b30265f8-c5e2-4918-b4a1-b977299ca3e2" xmlns:ns4="fadb41d3-f9cb-40fb-903c-8cacaba95bb5" targetNamespace="http://schemas.microsoft.com/office/2006/metadata/properties" ma:root="true" ma:fieldsID="5615b8f8aa772998bad551f24a33de0e" ns3:_="" ns4:_="">
     <xsd:import namespace="b30265f8-c5e2-4918-b4a1-b977299ca3e2"/>
@@ -7743,14 +7967,6 @@
 </ct:contentTypeSchema>
 </file>
 
-<file path=customXml/item3.xml><?xml version="1.0" encoding="utf-8"?>
-<p:properties xmlns:p="http://schemas.microsoft.com/office/2006/metadata/properties" xmlns:xsi="http://www.w3.org/2001/XMLSchema-instance" xmlns:pc="http://schemas.microsoft.com/office/infopath/2007/PartnerControls">
-  <documentManagement>
-    <_activity xmlns="b30265f8-c5e2-4918-b4a1-b977299ca3e2" xsi:nil="true"/>
-  </documentManagement>
-</p:properties>
-</file>
-
 <file path=customXml/itemProps1.xml><?xml version="1.0" encoding="utf-8"?>
 <ds:datastoreItem xmlns:ds="http://schemas.openxmlformats.org/officeDocument/2006/customXml" ds:itemID="{927BD4C1-B6B1-4715-ABF9-E660A51A4EA0}">
   <ds:schemaRefs>
@@ -7760,6 +7976,23 @@
 </file>
 
 <file path=customXml/itemProps2.xml><?xml version="1.0" encoding="utf-8"?>
+<ds:datastoreItem xmlns:ds="http://schemas.openxmlformats.org/officeDocument/2006/customXml" ds:itemID="{8D289AE2-D2AE-49D1-AFAC-3A79F6794255}">
+  <ds:schemaRefs>
+    <ds:schemaRef ds:uri="http://purl.org/dc/elements/1.1/"/>
+    <ds:schemaRef ds:uri="http://schemas.openxmlformats.org/package/2006/metadata/core-properties"/>
+    <ds:schemaRef ds:uri="b30265f8-c5e2-4918-b4a1-b977299ca3e2"/>
+    <ds:schemaRef ds:uri="http://purl.org/dc/terms/"/>
+    <ds:schemaRef ds:uri="http://schemas.microsoft.com/office/2006/documentManagement/types"/>
+    <ds:schemaRef ds:uri="http://schemas.microsoft.com/office/2006/metadata/properties"/>
+    <ds:schemaRef ds:uri="fadb41d3-f9cb-40fb-903c-8cacaba95bb5"/>
+    <ds:schemaRef ds:uri="http://schemas.microsoft.com/office/infopath/2007/PartnerControls"/>
+    <ds:schemaRef ds:uri="http://www.w3.org/XML/1998/namespace"/>
+    <ds:schemaRef ds:uri="http://purl.org/dc/dcmitype/"/>
+  </ds:schemaRefs>
+</ds:datastoreItem>
+</file>
+
+<file path=customXml/itemProps3.xml><?xml version="1.0" encoding="utf-8"?>
 <ds:datastoreItem xmlns:ds="http://schemas.openxmlformats.org/officeDocument/2006/customXml" ds:itemID="{9DD71778-17EE-4151-88AE-C8F4E8043BD9}">
   <ds:schemaRefs>
     <ds:schemaRef ds:uri="http://schemas.microsoft.com/office/2006/metadata/contentType"/>
@@ -7776,21 +8009,4 @@
     <ds:schemaRef ds:uri="http://schemas.microsoft.com/internal/obd"/>
   </ds:schemaRefs>
 </ds:datastoreItem>
-</file>
-
-<file path=customXml/itemProps3.xml><?xml version="1.0" encoding="utf-8"?>
-<ds:datastoreItem xmlns:ds="http://schemas.openxmlformats.org/officeDocument/2006/customXml" ds:itemID="{8D289AE2-D2AE-49D1-AFAC-3A79F6794255}">
-  <ds:schemaRefs>
-    <ds:schemaRef ds:uri="http://purl.org/dc/elements/1.1/"/>
-    <ds:schemaRef ds:uri="http://schemas.openxmlformats.org/package/2006/metadata/core-properties"/>
-    <ds:schemaRef ds:uri="b30265f8-c5e2-4918-b4a1-b977299ca3e2"/>
-    <ds:schemaRef ds:uri="http://purl.org/dc/terms/"/>
-    <ds:schemaRef ds:uri="http://schemas.microsoft.com/office/2006/documentManagement/types"/>
-    <ds:schemaRef ds:uri="http://schemas.microsoft.com/office/2006/metadata/properties"/>
-    <ds:schemaRef ds:uri="fadb41d3-f9cb-40fb-903c-8cacaba95bb5"/>
-    <ds:schemaRef ds:uri="http://schemas.microsoft.com/office/infopath/2007/PartnerControls"/>
-    <ds:schemaRef ds:uri="http://www.w3.org/XML/1998/namespace"/>
-    <ds:schemaRef ds:uri="http://purl.org/dc/dcmitype/"/>
-  </ds:schemaRefs>
-</ds:datastoreItem>
 </file>